--- a/Powerpoints/Spoergsmaal5.pptx
+++ b/Powerpoints/Spoergsmaal5.pptx
@@ -214,7 +214,7 @@
             <a:pPr rtl="0"/>
             <a:fld id="{8077B08D-2487-4D86-B500-0AB642B9DBDB}" type="datetime1">
               <a:rPr lang="da-DK" smtClean="0"/>
-              <a:t>09-01-2021</a:t>
+              <a:t>11-01-2021</a:t>
             </a:fld>
             <a:endParaRPr lang="da-DK" dirty="0"/>
           </a:p>
@@ -384,7 +384,7 @@
             <a:fld id="{35C6014B-011E-47E8-B399-338BB8F7B8A2}" type="datetime1">
               <a:rPr lang="da-DK" smtClean="0"/>
               <a:pPr/>
-              <a:t>09-01-2021</a:t>
+              <a:t>11-01-2021</a:t>
             </a:fld>
             <a:endParaRPr lang="da-DK" dirty="0"/>
           </a:p>
@@ -993,7 +993,7 @@
             <a:fld id="{CE9CAD03-4E12-469F-9273-8A57C976C3A4}" type="datetime1">
               <a:rPr lang="da-DK" smtClean="0"/>
               <a:pPr/>
-              <a:t>09-01-2021</a:t>
+              <a:t>11-01-2021</a:t>
             </a:fld>
             <a:endParaRPr lang="da-DK" dirty="0"/>
           </a:p>
@@ -1322,7 +1322,7 @@
             <a:fld id="{D8F0FA1E-FE24-4B9A-8289-C1AD03F1962A}" type="datetime1">
               <a:rPr lang="da-DK" smtClean="0"/>
               <a:pPr/>
-              <a:t>09-01-2021</a:t>
+              <a:t>11-01-2021</a:t>
             </a:fld>
             <a:endParaRPr lang="da-DK" dirty="0"/>
           </a:p>
@@ -1574,7 +1574,7 @@
             <a:fld id="{D02EF962-8E35-4580-8D21-32903B8C0BB0}" type="datetime1">
               <a:rPr lang="da-DK" smtClean="0"/>
               <a:pPr/>
-              <a:t>09-01-2021</a:t>
+              <a:t>11-01-2021</a:t>
             </a:fld>
             <a:endParaRPr lang="da-DK" dirty="0"/>
           </a:p>
@@ -1917,7 +1917,7 @@
             <a:fld id="{C42D8918-2B29-404B-89D3-6ACEBA05454D}" type="datetime1">
               <a:rPr lang="da-DK" smtClean="0"/>
               <a:pPr/>
-              <a:t>09-01-2021</a:t>
+              <a:t>11-01-2021</a:t>
             </a:fld>
             <a:endParaRPr lang="da-DK" dirty="0"/>
           </a:p>
@@ -2268,7 +2268,7 @@
             <a:fld id="{F99855E5-37B0-4049-AA48-9CCD2B32DAF7}" type="datetime1">
               <a:rPr lang="da-DK" smtClean="0"/>
               <a:pPr/>
-              <a:t>09-01-2021</a:t>
+              <a:t>11-01-2021</a:t>
             </a:fld>
             <a:endParaRPr lang="da-DK" dirty="0"/>
           </a:p>
@@ -2646,7 +2646,7 @@
             <a:fld id="{2AB0CA8C-2AFF-4BCD-9DCC-6FD1BF1F00D0}" type="datetime1">
               <a:rPr lang="da-DK" smtClean="0"/>
               <a:pPr/>
-              <a:t>09-01-2021</a:t>
+              <a:t>11-01-2021</a:t>
             </a:fld>
             <a:endParaRPr lang="da-DK" dirty="0"/>
           </a:p>
@@ -3119,7 +3119,7 @@
             <a:fld id="{4CC3B155-EF09-4D55-BD0D-0836D976C20E}" type="datetime1">
               <a:rPr lang="da-DK" smtClean="0"/>
               <a:pPr/>
-              <a:t>09-01-2021</a:t>
+              <a:t>11-01-2021</a:t>
             </a:fld>
             <a:endParaRPr lang="da-DK" dirty="0"/>
           </a:p>
@@ -3328,7 +3328,7 @@
             <a:fld id="{362FE45A-E51C-44AA-AFA5-AFBC81DC7DDE}" type="datetime1">
               <a:rPr lang="da-DK" smtClean="0"/>
               <a:pPr/>
-              <a:t>09-01-2021</a:t>
+              <a:t>11-01-2021</a:t>
             </a:fld>
             <a:endParaRPr lang="da-DK" dirty="0"/>
           </a:p>
@@ -3543,7 +3543,7 @@
             <a:fld id="{F9A65D54-2FAA-4A76-8AC1-D0A6D079CD29}" type="datetime1">
               <a:rPr lang="da-DK" smtClean="0"/>
               <a:pPr/>
-              <a:t>09-01-2021</a:t>
+              <a:t>11-01-2021</a:t>
             </a:fld>
             <a:endParaRPr lang="da-DK" dirty="0"/>
           </a:p>
@@ -3779,7 +3779,7 @@
             <a:fld id="{E1657619-C3D5-429C-B08B-DD35C33230BA}" type="datetime1">
               <a:rPr lang="da-DK" smtClean="0"/>
               <a:pPr/>
-              <a:t>09-01-2021</a:t>
+              <a:t>11-01-2021</a:t>
             </a:fld>
             <a:endParaRPr lang="da-DK" dirty="0"/>
           </a:p>
@@ -4030,7 +4030,7 @@
             <a:fld id="{0F3A4874-7C65-45C9-B88D-0C9229A96866}" type="datetime1">
               <a:rPr lang="da-DK" smtClean="0"/>
               <a:pPr/>
-              <a:t>09-01-2021</a:t>
+              <a:t>11-01-2021</a:t>
             </a:fld>
             <a:endParaRPr lang="da-DK" dirty="0"/>
           </a:p>
@@ -4332,7 +4332,7 @@
             <a:fld id="{440CFD84-990C-4902-8B5F-C5562C4CF409}" type="datetime1">
               <a:rPr lang="da-DK" smtClean="0"/>
               <a:pPr/>
-              <a:t>09-01-2021</a:t>
+              <a:t>11-01-2021</a:t>
             </a:fld>
             <a:endParaRPr lang="da-DK" dirty="0"/>
           </a:p>
@@ -4729,7 +4729,7 @@
             <a:fld id="{0FC0ECCB-5637-47DE-A091-361EF855819D}" type="datetime1">
               <a:rPr lang="da-DK" smtClean="0"/>
               <a:pPr/>
-              <a:t>09-01-2021</a:t>
+              <a:t>11-01-2021</a:t>
             </a:fld>
             <a:endParaRPr lang="da-DK" dirty="0"/>
           </a:p>
@@ -4882,7 +4882,7 @@
             <a:fld id="{7A25DA3C-0806-4435-86DD-1D5C9936D65B}" type="datetime1">
               <a:rPr lang="da-DK" smtClean="0"/>
               <a:pPr/>
-              <a:t>09-01-2021</a:t>
+              <a:t>11-01-2021</a:t>
             </a:fld>
             <a:endParaRPr lang="da-DK" dirty="0"/>
           </a:p>
@@ -5011,7 +5011,7 @@
             <a:fld id="{7E401879-41F1-41D8-9792-BDD6A2C85707}" type="datetime1">
               <a:rPr lang="da-DK" smtClean="0"/>
               <a:pPr/>
-              <a:t>09-01-2021</a:t>
+              <a:t>11-01-2021</a:t>
             </a:fld>
             <a:endParaRPr lang="da-DK" dirty="0"/>
           </a:p>
@@ -5270,7 +5270,7 @@
             <a:fld id="{98CABFCD-3DF8-4DB8-9264-FEEC74F79A0C}" type="datetime1">
               <a:rPr lang="da-DK" smtClean="0"/>
               <a:pPr/>
-              <a:t>09-01-2021</a:t>
+              <a:t>11-01-2021</a:t>
             </a:fld>
             <a:endParaRPr lang="da-DK" dirty="0"/>
           </a:p>
@@ -5590,7 +5590,7 @@
             <a:fld id="{4876CA1C-756F-47DD-A55C-94B954E6F08E}" type="datetime1">
               <a:rPr lang="da-DK" smtClean="0"/>
               <a:pPr/>
-              <a:t>09-01-2021</a:t>
+              <a:t>11-01-2021</a:t>
             </a:fld>
             <a:endParaRPr lang="da-DK" dirty="0"/>
           </a:p>
@@ -5938,7 +5938,7 @@
           <a:p>
             <a:fld id="{DA912368-A7F2-4802-9144-D4C71A394022}" type="datetime1">
               <a:rPr lang="da-DK" smtClean="0"/>
-              <a:t>09-01-2021</a:t>
+              <a:t>11-01-2021</a:t>
             </a:fld>
             <a:endParaRPr lang="da-DK" dirty="0"/>
           </a:p>
@@ -8270,6 +8270,12 @@
           <a:p>
             <a:r>
               <a:rPr lang="da-DK" dirty="0"/>
+              <a:t>Kun frontend checks</a:t>
+            </a:r>
+          </a:p>
+          <a:p>
+            <a:r>
+              <a:rPr lang="da-DK" dirty="0"/>
               <a:t>CORS-policy</a:t>
             </a:r>
           </a:p>
@@ -8904,42 +8910,47 @@
               <a:rPr lang="da-DK" dirty="0" err="1"/>
               <a:t>ownership</a:t>
             </a:r>
+            <a:endParaRPr lang="da-DK" dirty="0"/>
+          </a:p>
+          <a:p>
+            <a:r>
+              <a:rPr lang="da-DK" dirty="0"/>
+              <a:t>API-</a:t>
+            </a:r>
+            <a:r>
+              <a:rPr lang="da-DK" dirty="0" err="1"/>
+              <a:t>attack</a:t>
+            </a:r>
+            <a:r>
+              <a:rPr lang="da-DK" dirty="0"/>
+              <a:t>-</a:t>
+            </a:r>
+            <a:r>
+              <a:rPr lang="da-DK" dirty="0" err="1"/>
+              <a:t>tools</a:t>
+            </a:r>
+            <a:r>
+              <a:rPr lang="da-DK" dirty="0"/>
+              <a:t> : Rate-</a:t>
+            </a:r>
+            <a:r>
+              <a:rPr lang="da-DK" dirty="0" err="1"/>
+              <a:t>limiting</a:t>
+            </a:r>
+            <a:endParaRPr lang="da-DK" dirty="0"/>
+          </a:p>
+          <a:p>
+            <a:r>
+              <a:rPr lang="da-DK" dirty="0" err="1"/>
+              <a:t>Logging</a:t>
+            </a:r>
             <a:r>
               <a:rPr lang="da-DK" dirty="0"/>
               <a:t> </a:t>
             </a:r>
-          </a:p>
-          <a:p>
-            <a:r>
-              <a:rPr lang="da-DK" dirty="0"/>
-              <a:t>API-</a:t>
-            </a:r>
             <a:r>
               <a:rPr lang="da-DK" dirty="0" err="1"/>
-              <a:t>attack</a:t>
-            </a:r>
-            <a:r>
-              <a:rPr lang="da-DK" dirty="0"/>
-              <a:t>-</a:t>
-            </a:r>
-            <a:r>
-              <a:rPr lang="da-DK" dirty="0" err="1"/>
-              <a:t>tools</a:t>
-            </a:r>
-            <a:r>
-              <a:rPr lang="da-DK" dirty="0"/>
-              <a:t> : Rate-</a:t>
-            </a:r>
-            <a:r>
-              <a:rPr lang="da-DK" dirty="0" err="1"/>
-              <a:t>limiting</a:t>
-            </a:r>
-            <a:endParaRPr lang="da-DK" dirty="0"/>
-          </a:p>
-          <a:p>
-            <a:r>
-              <a:rPr lang="da-DK" dirty="0" err="1"/>
-              <a:t>Logging</a:t>
+              <a:t>failed</a:t>
             </a:r>
             <a:r>
               <a:rPr lang="da-DK" dirty="0"/>
@@ -8947,39 +8958,9 @@
             </a:r>
             <a:r>
               <a:rPr lang="da-DK" dirty="0" err="1"/>
-              <a:t>failed</a:t>
-            </a:r>
-            <a:r>
-              <a:rPr lang="da-DK" dirty="0"/>
-              <a:t> </a:t>
-            </a:r>
-            <a:r>
-              <a:rPr lang="da-DK" dirty="0" err="1"/>
               <a:t>attempts</a:t>
             </a:r>
             <a:endParaRPr lang="da-DK" dirty="0"/>
-          </a:p>
-          <a:p>
-            <a:r>
-              <a:rPr lang="da-DK" dirty="0"/>
-              <a:t>CORS-policy </a:t>
-            </a:r>
-            <a:r>
-              <a:rPr lang="da-DK" dirty="0" err="1"/>
-              <a:t>stricter</a:t>
-            </a:r>
-            <a:r>
-              <a:rPr lang="da-DK" dirty="0"/>
-              <a:t> (same-</a:t>
-            </a:r>
-            <a:r>
-              <a:rPr lang="da-DK" dirty="0" err="1"/>
-              <a:t>origin</a:t>
-            </a:r>
-            <a:r>
-              <a:rPr lang="da-DK" dirty="0"/>
-              <a:t>/whitelist)</a:t>
-            </a:r>
           </a:p>
           <a:p>
             <a:r>
@@ -10348,6 +10329,20 @@
           <a:p>
             <a:r>
               <a:rPr lang="da-DK" dirty="0"/>
+              <a:t>CORS Policy : (same-</a:t>
+            </a:r>
+            <a:r>
+              <a:rPr lang="da-DK" dirty="0" err="1"/>
+              <a:t>origin</a:t>
+            </a:r>
+            <a:r>
+              <a:rPr lang="da-DK" dirty="0"/>
+              <a:t>/whitelist)</a:t>
+            </a:r>
+          </a:p>
+          <a:p>
+            <a:r>
+              <a:rPr lang="da-DK" dirty="0"/>
               <a:t> HTTP-Secure </a:t>
             </a:r>
             <a:r>
@@ -10737,7 +10732,7 @@
         </p:nvSpPr>
         <p:spPr>
           <a:xfrm>
-            <a:off x="1447801" y="2498336"/>
+            <a:off x="1447801" y="2511754"/>
             <a:ext cx="9339804" cy="2636941"/>
           </a:xfrm>
           <a:prstGeom prst="rect">
@@ -11807,19 +11802,13 @@
           <a:p>
             <a:r>
               <a:rPr lang="da-DK" dirty="0"/>
-              <a:t>Hvad er det? (Alle sider med brugerinput)</a:t>
+              <a:t>Automatiserede tests</a:t>
             </a:r>
           </a:p>
           <a:p>
             <a:r>
               <a:rPr lang="da-DK" dirty="0"/>
-              <a:t>Automatiserede tests</a:t>
-            </a:r>
-          </a:p>
-          <a:p>
-            <a:r>
-              <a:rPr lang="da-DK" dirty="0"/>
-              <a:t>Content-Security-Policy (whitelist)</a:t>
+              <a:t>Content-Security-Policy</a:t>
             </a:r>
           </a:p>
         </p:txBody>
@@ -13952,6 +13941,15 @@
 </file>
 
 <file path=customXml/item1.xml><?xml version="1.0" encoding="utf-8"?>
+<?mso-contentType ?>
+<FormTemplates xmlns="http://schemas.microsoft.com/sharepoint/v3/contenttype/forms">
+  <Display>DocumentLibraryForm</Display>
+  <Edit>DocumentLibraryForm</Edit>
+  <New>DocumentLibraryForm</New>
+</FormTemplates>
+</file>
+
+<file path=customXml/item2.xml><?xml version="1.0" encoding="utf-8"?>
 <ct:contentTypeSchema xmlns:ct="http://schemas.microsoft.com/office/2006/metadata/contentType" xmlns:ma="http://schemas.microsoft.com/office/2006/metadata/properties/metaAttributes" ct:_="" ma:_="" ma:contentTypeName="Document" ma:contentTypeID="0x01010079F111ED35F8CC479449609E8A0923A6" ma:contentTypeVersion="11" ma:contentTypeDescription="Create a new document." ma:contentTypeScope="" ma:versionID="9677210f24a1be23c92c90fd886aa0aa">
   <xsd:schema xmlns:xsd="http://www.w3.org/2001/XMLSchema" xmlns:xs="http://www.w3.org/2001/XMLSchema" xmlns:p="http://schemas.microsoft.com/office/2006/metadata/properties" xmlns:ns2="71af3243-3dd4-4a8d-8c0d-dd76da1f02a5" xmlns:ns3="16c05727-aa75-4e4a-9b5f-8a80a1165891" targetNamespace="http://schemas.microsoft.com/office/2006/metadata/properties" ma:root="true" ma:fieldsID="60e05723c5c1908df1a1a4ebf11d344e" ns2:_="" ns3:_="">
     <xsd:import namespace="71af3243-3dd4-4a8d-8c0d-dd76da1f02a5"/>
@@ -14162,7 +14160,7 @@
 </ct:contentTypeSchema>
 </file>
 
-<file path=customXml/item2.xml><?xml version="1.0" encoding="utf-8"?>
+<file path=customXml/item3.xml><?xml version="1.0" encoding="utf-8"?>
 <p:properties xmlns:p="http://schemas.microsoft.com/office/2006/metadata/properties" xmlns:xsi="http://www.w3.org/2001/XMLSchema-instance" xmlns:pc="http://schemas.microsoft.com/office/infopath/2007/PartnerControls">
   <documentManagement>
     <MediaServiceKeyPoints xmlns="71af3243-3dd4-4a8d-8c0d-dd76da1f02a5" xsi:nil="true"/>
@@ -14170,16 +14168,15 @@
 </p:properties>
 </file>
 
-<file path=customXml/item3.xml><?xml version="1.0" encoding="utf-8"?>
-<?mso-contentType ?>
-<FormTemplates xmlns="http://schemas.microsoft.com/sharepoint/v3/contenttype/forms">
-  <Display>DocumentLibraryForm</Display>
-  <Edit>DocumentLibraryForm</Edit>
-  <New>DocumentLibraryForm</New>
-</FormTemplates>
+<file path=customXml/itemProps1.xml><?xml version="1.0" encoding="utf-8"?>
+<ds:datastoreItem xmlns:ds="http://schemas.openxmlformats.org/officeDocument/2006/customXml" ds:itemID="{6A1E945A-F8B2-4917-A3C0-E5FD0C7053C5}">
+  <ds:schemaRefs>
+    <ds:schemaRef ds:uri="http://schemas.microsoft.com/sharepoint/v3/contenttype/forms"/>
+  </ds:schemaRefs>
+</ds:datastoreItem>
 </file>
 
-<file path=customXml/itemProps1.xml><?xml version="1.0" encoding="utf-8"?>
+<file path=customXml/itemProps2.xml><?xml version="1.0" encoding="utf-8"?>
 <ds:datastoreItem xmlns:ds="http://schemas.openxmlformats.org/officeDocument/2006/customXml" ds:itemID="{6F027939-E3B8-41D6-8A67-A640CA8A50F6}">
   <ds:schemaRefs>
     <ds:schemaRef ds:uri="http://schemas.microsoft.com/office/2006/metadata/contentType"/>
@@ -14198,7 +14195,7 @@
 </ds:datastoreItem>
 </file>
 
-<file path=customXml/itemProps2.xml><?xml version="1.0" encoding="utf-8"?>
+<file path=customXml/itemProps3.xml><?xml version="1.0" encoding="utf-8"?>
 <ds:datastoreItem xmlns:ds="http://schemas.openxmlformats.org/officeDocument/2006/customXml" ds:itemID="{63AC0881-EA88-432B-86BB-4EB78D0EA8C1}">
   <ds:schemaRefs>
     <ds:schemaRef ds:uri="http://schemas.microsoft.com/office/2006/metadata/properties"/>
@@ -14206,12 +14203,4 @@
     <ds:schemaRef ds:uri="71af3243-3dd4-4a8d-8c0d-dd76da1f02a5"/>
   </ds:schemaRefs>
 </ds:datastoreItem>
-</file>
-
-<file path=customXml/itemProps3.xml><?xml version="1.0" encoding="utf-8"?>
-<ds:datastoreItem xmlns:ds="http://schemas.openxmlformats.org/officeDocument/2006/customXml" ds:itemID="{6A1E945A-F8B2-4917-A3C0-E5FD0C7053C5}">
-  <ds:schemaRefs>
-    <ds:schemaRef ds:uri="http://schemas.microsoft.com/sharepoint/v3/contenttype/forms"/>
-  </ds:schemaRefs>
-</ds:datastoreItem>
 </file>